--- a/wordcloud/first_project(wordcloud).pptx
+++ b/wordcloud/first_project(wordcloud).pptx
@@ -20,7 +20,6 @@
     <p:sldId id="269" r:id="rId14"/>
     <p:sldId id="270" r:id="rId15"/>
     <p:sldId id="271" r:id="rId16"/>
-    <p:sldId id="259" r:id="rId17"/>
   </p:sldIdLst>
   <p:sldSz cx="12192000" cy="6858000"/>
   <p:notesSz cx="6858000" cy="9144000"/>
@@ -139,7 +138,6 @@
             <p14:sldId id="269"/>
             <p14:sldId id="270"/>
             <p14:sldId id="271"/>
-            <p14:sldId id="259"/>
           </p14:sldIdLst>
         </p14:section>
       </p14:sectionLst>
@@ -14267,7 +14265,7 @@
           <a:p>
             <a:fld id="{A1D21FF6-44F5-41E7-B685-5FDCFE93C112}" type="datetimeFigureOut">
               <a:rPr lang="ko-KR" altLang="en-US" smtClean="0"/>
-              <a:t>2020-03-10</a:t>
+              <a:t>2020-03-11</a:t>
             </a:fld>
             <a:endParaRPr lang="ko-KR" altLang="en-US"/>
           </a:p>
@@ -14472,7 +14470,7 @@
           <a:p>
             <a:fld id="{A1D21FF6-44F5-41E7-B685-5FDCFE93C112}" type="datetimeFigureOut">
               <a:rPr lang="ko-KR" altLang="en-US" smtClean="0"/>
-              <a:t>2020-03-10</a:t>
+              <a:t>2020-03-11</a:t>
             </a:fld>
             <a:endParaRPr lang="ko-KR" altLang="en-US"/>
           </a:p>
@@ -14652,7 +14650,7 @@
           <a:p>
             <a:fld id="{A1D21FF6-44F5-41E7-B685-5FDCFE93C112}" type="datetimeFigureOut">
               <a:rPr lang="ko-KR" altLang="en-US" smtClean="0"/>
-              <a:t>2020-03-10</a:t>
+              <a:t>2020-03-11</a:t>
             </a:fld>
             <a:endParaRPr lang="ko-KR" altLang="en-US"/>
           </a:p>
@@ -14857,7 +14855,7 @@
           <a:p>
             <a:fld id="{A1D21FF6-44F5-41E7-B685-5FDCFE93C112}" type="datetimeFigureOut">
               <a:rPr lang="ko-KR" altLang="en-US" smtClean="0"/>
-              <a:t>2020-03-10</a:t>
+              <a:t>2020-03-11</a:t>
             </a:fld>
             <a:endParaRPr lang="ko-KR" altLang="en-US"/>
           </a:p>
@@ -15152,7 +15150,7 @@
           <a:p>
             <a:fld id="{A1D21FF6-44F5-41E7-B685-5FDCFE93C112}" type="datetimeFigureOut">
               <a:rPr lang="ko-KR" altLang="en-US" smtClean="0"/>
-              <a:t>2020-03-10</a:t>
+              <a:t>2020-03-11</a:t>
             </a:fld>
             <a:endParaRPr lang="ko-KR" altLang="en-US"/>
           </a:p>
@@ -15424,7 +15422,7 @@
           <a:p>
             <a:fld id="{A1D21FF6-44F5-41E7-B685-5FDCFE93C112}" type="datetimeFigureOut">
               <a:rPr lang="ko-KR" altLang="en-US" smtClean="0"/>
-              <a:t>2020-03-10</a:t>
+              <a:t>2020-03-11</a:t>
             </a:fld>
             <a:endParaRPr lang="ko-KR" altLang="en-US"/>
           </a:p>
@@ -15831,7 +15829,7 @@
           <a:p>
             <a:fld id="{A1D21FF6-44F5-41E7-B685-5FDCFE93C112}" type="datetimeFigureOut">
               <a:rPr lang="ko-KR" altLang="en-US" smtClean="0"/>
-              <a:t>2020-03-10</a:t>
+              <a:t>2020-03-11</a:t>
             </a:fld>
             <a:endParaRPr lang="ko-KR" altLang="en-US"/>
           </a:p>
@@ -15949,7 +15947,7 @@
           <a:p>
             <a:fld id="{A1D21FF6-44F5-41E7-B685-5FDCFE93C112}" type="datetimeFigureOut">
               <a:rPr lang="ko-KR" altLang="en-US" smtClean="0"/>
-              <a:t>2020-03-10</a:t>
+              <a:t>2020-03-11</a:t>
             </a:fld>
             <a:endParaRPr lang="ko-KR" altLang="en-US"/>
           </a:p>
@@ -16044,7 +16042,7 @@
           <a:p>
             <a:fld id="{A1D21FF6-44F5-41E7-B685-5FDCFE93C112}" type="datetimeFigureOut">
               <a:rPr lang="ko-KR" altLang="en-US" smtClean="0"/>
-              <a:t>2020-03-10</a:t>
+              <a:t>2020-03-11</a:t>
             </a:fld>
             <a:endParaRPr lang="ko-KR" altLang="en-US"/>
           </a:p>
@@ -16334,7 +16332,7 @@
           <a:p>
             <a:fld id="{A1D21FF6-44F5-41E7-B685-5FDCFE93C112}" type="datetimeFigureOut">
               <a:rPr lang="ko-KR" altLang="en-US" smtClean="0"/>
-              <a:t>2020-03-10</a:t>
+              <a:t>2020-03-11</a:t>
             </a:fld>
             <a:endParaRPr lang="ko-KR" altLang="en-US"/>
           </a:p>
@@ -16614,7 +16612,7 @@
           <a:p>
             <a:fld id="{A1D21FF6-44F5-41E7-B685-5FDCFE93C112}" type="datetimeFigureOut">
               <a:rPr lang="ko-KR" altLang="en-US" smtClean="0"/>
-              <a:t>2020-03-10</a:t>
+              <a:t>2020-03-11</a:t>
             </a:fld>
             <a:endParaRPr lang="ko-KR" altLang="en-US"/>
           </a:p>
@@ -16864,7 +16862,7 @@
           <a:p>
             <a:fld id="{A1D21FF6-44F5-41E7-B685-5FDCFE93C112}" type="datetimeFigureOut">
               <a:rPr lang="ko-KR" altLang="en-US" smtClean="0"/>
-              <a:t>2020-03-10</a:t>
+              <a:t>2020-03-11</a:t>
             </a:fld>
             <a:endParaRPr lang="ko-KR" altLang="en-US"/>
           </a:p>
@@ -18218,11 +18216,25 @@
           <a:lstStyle/>
           <a:p>
             <a:r>
+              <a:rPr lang="en-US" altLang="ko-KR" sz="4800" dirty="0">
+                <a:latin typeface="나눔스퀘어라운드 Bold" panose="020B0600000101010101" pitchFamily="50" charset="-127"/>
+                <a:ea typeface="나눔스퀘어라운드 Bold" panose="020B0600000101010101" pitchFamily="50" charset="-127"/>
+              </a:rPr>
+              <a:t>6</a:t>
+            </a:r>
+            <a:r>
               <a:rPr lang="en-US" altLang="ko-KR" sz="4800" dirty="0" smtClean="0">
                 <a:latin typeface="나눔스퀘어라운드 Bold" panose="020B0600000101010101" pitchFamily="50" charset="-127"/>
                 <a:ea typeface="나눔스퀘어라운드 Bold" panose="020B0600000101010101" pitchFamily="50" charset="-127"/>
               </a:rPr>
-              <a:t>5. R </a:t>
+              <a:t>. </a:t>
+            </a:r>
+            <a:r>
+              <a:rPr lang="en-US" altLang="ko-KR" sz="4800" dirty="0" smtClean="0">
+                <a:latin typeface="나눔스퀘어라운드 Bold" panose="020B0600000101010101" pitchFamily="50" charset="-127"/>
+                <a:ea typeface="나눔스퀘어라운드 Bold" panose="020B0600000101010101" pitchFamily="50" charset="-127"/>
+              </a:rPr>
+              <a:t>R </a:t>
             </a:r>
             <a:r>
               <a:rPr lang="en-US" altLang="ko-KR" sz="4800" cap="none" dirty="0" smtClean="0">
@@ -18251,7 +18263,7 @@
         <p:spPr/>
         <p:txBody>
           <a:bodyPr>
-            <a:normAutofit/>
+            <a:normAutofit lnSpcReduction="10000"/>
           </a:bodyPr>
           <a:lstStyle/>
           <a:p>
@@ -18342,23 +18354,60 @@
             </a:r>
             <a:r>
               <a:rPr lang="en-US" altLang="ko-KR" sz="2800" dirty="0" smtClean="0">
+                <a:latin typeface="나눔스퀘어라운드 Regular" panose="020B0600000101010101" pitchFamily="50" charset="-127"/>
+                <a:ea typeface="나눔스퀘어라운드 Regular" panose="020B0600000101010101" pitchFamily="50" charset="-127"/>
                 <a:hlinkClick r:id="rId2"/>
               </a:rPr>
               <a:t>https</a:t>
             </a:r>
             <a:r>
               <a:rPr lang="en-US" altLang="ko-KR" sz="2800" dirty="0">
+                <a:latin typeface="나눔스퀘어라운드 Regular" panose="020B0600000101010101" pitchFamily="50" charset="-127"/>
+                <a:ea typeface="나눔스퀘어라운드 Regular" panose="020B0600000101010101" pitchFamily="50" charset="-127"/>
                 <a:hlinkClick r:id="rId2"/>
               </a:rPr>
               <a:t>://</a:t>
             </a:r>
             <a:r>
               <a:rPr lang="en-US" altLang="ko-KR" sz="2800" dirty="0" smtClean="0">
+                <a:latin typeface="나눔스퀘어라운드 Regular" panose="020B0600000101010101" pitchFamily="50" charset="-127"/>
+                <a:ea typeface="나눔스퀘어라운드 Regular" panose="020B0600000101010101" pitchFamily="50" charset="-127"/>
                 <a:hlinkClick r:id="rId2"/>
               </a:rPr>
               <a:t>shiny.rstudio.com/gallery/kmeans-example.html</a:t>
             </a:r>
-            <a:endParaRPr lang="en-US" altLang="ko-KR" sz="2800" dirty="0" smtClean="0"/>
+            <a:endParaRPr lang="en-US" altLang="ko-KR" sz="2800" dirty="0" smtClean="0">
+              <a:latin typeface="나눔스퀘어라운드 Regular" panose="020B0600000101010101" pitchFamily="50" charset="-127"/>
+              <a:ea typeface="나눔스퀘어라운드 Regular" panose="020B0600000101010101" pitchFamily="50" charset="-127"/>
+            </a:endParaRPr>
+          </a:p>
+          <a:p>
+            <a:pPr>
+              <a:lnSpc>
+                <a:spcPct val="150000"/>
+              </a:lnSpc>
+              <a:buFont typeface="Wingdings" panose="05000000000000000000" pitchFamily="2" charset="2"/>
+              <a:buChar char="l"/>
+            </a:pPr>
+            <a:r>
+              <a:rPr lang="en-US" altLang="ko-KR" sz="2800" dirty="0">
+                <a:latin typeface="나눔스퀘어라운드 Regular" panose="020B0600000101010101" pitchFamily="50" charset="-127"/>
+                <a:ea typeface="나눔스퀘어라운드 Regular" panose="020B0600000101010101" pitchFamily="50" charset="-127"/>
+              </a:rPr>
+              <a:t> </a:t>
+            </a:r>
+            <a:r>
+              <a:rPr lang="en-US" altLang="ko-KR" sz="2800" dirty="0">
+                <a:latin typeface="나눔스퀘어라운드 Regular" panose="020B0600000101010101" pitchFamily="50" charset="-127"/>
+                <a:ea typeface="나눔스퀘어라운드 Regular" panose="020B0600000101010101" pitchFamily="50" charset="-127"/>
+                <a:hlinkClick r:id="rId3"/>
+              </a:rPr>
+              <a:t>https://github.com/ayoung-shin/mulcam</a:t>
+            </a:r>
+            <a:endParaRPr lang="en-US" altLang="ko-KR" sz="2800" dirty="0" smtClean="0">
+              <a:latin typeface="나눔스퀘어라운드 Regular" panose="020B0600000101010101" pitchFamily="50" charset="-127"/>
+              <a:ea typeface="나눔스퀘어라운드 Regular" panose="020B0600000101010101" pitchFamily="50" charset="-127"/>
+            </a:endParaRPr>
           </a:p>
         </p:txBody>
       </p:sp>
@@ -18401,7 +18450,7 @@
       </p:grpSpPr>
       <p:sp>
         <p:nvSpPr>
-          <p:cNvPr id="2" name="제목 1"/>
+          <p:cNvPr id="13" name="제목 12"/>
           <p:cNvSpPr>
             <a:spLocks noGrp="1"/>
           </p:cNvSpPr>
@@ -18411,191 +18460,24 @@
         </p:nvSpPr>
         <p:spPr/>
         <p:txBody>
-          <a:bodyPr>
-            <a:normAutofit/>
-          </a:bodyPr>
+          <a:bodyPr/>
           <a:lstStyle/>
           <a:p>
             <a:r>
-              <a:rPr lang="en-US" altLang="ko-KR" sz="4800" dirty="0" smtClean="0">
+              <a:rPr lang="en-US" altLang="ko-KR" sz="5400" dirty="0" smtClean="0">
                 <a:latin typeface="나눔스퀘어라운드 Bold" panose="020B0600000101010101" pitchFamily="50" charset="-127"/>
                 <a:ea typeface="나눔스퀘어라운드 Bold" panose="020B0600000101010101" pitchFamily="50" charset="-127"/>
               </a:rPr>
-              <a:t>5. R </a:t>
-            </a:r>
-            <a:r>
-              <a:rPr lang="en-US" altLang="ko-KR" sz="4800" cap="none" dirty="0" smtClean="0">
-                <a:latin typeface="나눔스퀘어라운드 Bold" panose="020B0600000101010101" pitchFamily="50" charset="-127"/>
-                <a:ea typeface="나눔스퀘어라운드 Bold" panose="020B0600000101010101" pitchFamily="50" charset="-127"/>
-              </a:rPr>
-              <a:t>shiny</a:t>
-            </a:r>
-            <a:endParaRPr lang="en-US" altLang="ko-KR" sz="4800" dirty="0">
-              <a:latin typeface="나눔스퀘어라운드 Bold" panose="020B0600000101010101" pitchFamily="50" charset="-127"/>
-              <a:ea typeface="나눔스퀘어라운드 Bold" panose="020B0600000101010101" pitchFamily="50" charset="-127"/>
-            </a:endParaRPr>
-          </a:p>
-        </p:txBody>
-      </p:sp>
-      <p:sp>
-        <p:nvSpPr>
-          <p:cNvPr id="3" name="내용 개체 틀 2"/>
-          <p:cNvSpPr>
-            <a:spLocks noGrp="1"/>
-          </p:cNvSpPr>
-          <p:nvPr>
-            <p:ph idx="1"/>
-          </p:nvPr>
-        </p:nvSpPr>
-        <p:spPr/>
-        <p:txBody>
-          <a:bodyPr>
-            <a:normAutofit/>
-          </a:bodyPr>
-          <a:lstStyle/>
-          <a:p>
-            <a:pPr>
-              <a:lnSpc>
-                <a:spcPct val="150000"/>
-              </a:lnSpc>
-              <a:buFont typeface="Wingdings" panose="05000000000000000000" pitchFamily="2" charset="2"/>
-              <a:buChar char="l"/>
-            </a:pPr>
-            <a:r>
-              <a:rPr lang="en-US" altLang="ko-KR" sz="3200" dirty="0" smtClean="0">
-                <a:latin typeface="나눔스퀘어라운드 Regular" panose="020B0600000101010101" pitchFamily="50" charset="-127"/>
-                <a:ea typeface="나눔스퀘어라운드 Regular" panose="020B0600000101010101" pitchFamily="50" charset="-127"/>
-              </a:rPr>
-              <a:t> </a:t>
-            </a:r>
-            <a:r>
-              <a:rPr lang="en-US" altLang="ko-KR" sz="3200" dirty="0" err="1" smtClean="0">
-                <a:latin typeface="나눔스퀘어라운드 Regular" panose="020B0600000101010101" pitchFamily="50" charset="-127"/>
-                <a:ea typeface="나눔스퀘어라운드 Regular" panose="020B0600000101010101" pitchFamily="50" charset="-127"/>
-              </a:rPr>
-              <a:t>Github</a:t>
-            </a:r>
-            <a:r>
-              <a:rPr lang="ko-KR" altLang="en-US" sz="3200" dirty="0" smtClean="0">
-                <a:latin typeface="나눔스퀘어라운드 Regular" panose="020B0600000101010101" pitchFamily="50" charset="-127"/>
-                <a:ea typeface="나눔스퀘어라운드 Regular" panose="020B0600000101010101" pitchFamily="50" charset="-127"/>
-              </a:rPr>
-              <a:t>를 이용하여 실행해보기</a:t>
-            </a:r>
-            <a:endParaRPr lang="en-US" altLang="ko-KR" sz="3200" dirty="0" smtClean="0">
-              <a:latin typeface="나눔스퀘어라운드 Regular" panose="020B0600000101010101" pitchFamily="50" charset="-127"/>
-              <a:ea typeface="나눔스퀘어라운드 Regular" panose="020B0600000101010101" pitchFamily="50" charset="-127"/>
-            </a:endParaRPr>
-          </a:p>
-          <a:p>
-            <a:pPr marL="0" indent="0">
-              <a:lnSpc>
-                <a:spcPct val="150000"/>
-              </a:lnSpc>
-              <a:buNone/>
-            </a:pPr>
-            <a:r>
-              <a:rPr lang="en-US" altLang="ko-KR" sz="3200" dirty="0" smtClean="0">
-                <a:latin typeface="나눔스퀘어라운드 Regular" panose="020B0600000101010101" pitchFamily="50" charset="-127"/>
-                <a:ea typeface="나눔스퀘어라운드 Regular" panose="020B0600000101010101" pitchFamily="50" charset="-127"/>
-              </a:rPr>
-              <a:t>Shiny::</a:t>
-            </a:r>
-            <a:r>
-              <a:rPr lang="en-US" altLang="ko-KR" sz="3200" dirty="0" err="1" smtClean="0">
-                <a:latin typeface="나눔스퀘어라운드 Regular" panose="020B0600000101010101" pitchFamily="50" charset="-127"/>
-                <a:ea typeface="나눔스퀘어라운드 Regular" panose="020B0600000101010101" pitchFamily="50" charset="-127"/>
-              </a:rPr>
-              <a:t>runGitHub</a:t>
-            </a:r>
-            <a:r>
-              <a:rPr lang="en-US" altLang="ko-KR" sz="3200" dirty="0" smtClean="0">
-                <a:latin typeface="나눔스퀘어라운드 Regular" panose="020B0600000101010101" pitchFamily="50" charset="-127"/>
-                <a:ea typeface="나눔스퀘어라운드 Regular" panose="020B0600000101010101" pitchFamily="50" charset="-127"/>
-              </a:rPr>
-              <a:t>(“</a:t>
-            </a:r>
-            <a:r>
-              <a:rPr lang="en-US" altLang="ko-KR" sz="3200" dirty="0" err="1" smtClean="0">
-                <a:latin typeface="나눔스퀘어라운드 Regular" panose="020B0600000101010101" pitchFamily="50" charset="-127"/>
-                <a:ea typeface="나눔스퀘어라운드 Regular" panose="020B0600000101010101" pitchFamily="50" charset="-127"/>
-              </a:rPr>
-              <a:t>mulcam</a:t>
-            </a:r>
-            <a:r>
-              <a:rPr lang="en-US" altLang="ko-KR" sz="3200" dirty="0" smtClean="0">
-                <a:latin typeface="나눔스퀘어라운드 Regular" panose="020B0600000101010101" pitchFamily="50" charset="-127"/>
-                <a:ea typeface="나눔스퀘어라운드 Regular" panose="020B0600000101010101" pitchFamily="50" charset="-127"/>
-              </a:rPr>
-              <a:t>”, </a:t>
-            </a:r>
-            <a:r>
-              <a:rPr lang="en-US" altLang="ko-KR" sz="3200" dirty="0" smtClean="0">
-                <a:latin typeface="나눔스퀘어라운드 Regular" panose="020B0600000101010101" pitchFamily="50" charset="-127"/>
-                <a:ea typeface="나눔스퀘어라운드 Regular" panose="020B0600000101010101" pitchFamily="50" charset="-127"/>
-              </a:rPr>
-              <a:t>“</a:t>
-            </a:r>
-            <a:r>
-              <a:rPr lang="en-US" altLang="ko-KR" sz="3200" dirty="0" err="1" smtClean="0">
-                <a:latin typeface="나눔스퀘어라운드 Regular" panose="020B0600000101010101" pitchFamily="50" charset="-127"/>
-                <a:ea typeface="나눔스퀘어라운드 Regular" panose="020B0600000101010101" pitchFamily="50" charset="-127"/>
-              </a:rPr>
-              <a:t>ayoung</a:t>
-            </a:r>
-            <a:r>
-              <a:rPr lang="en-US" altLang="ko-KR" sz="3200" dirty="0" smtClean="0">
-                <a:latin typeface="나눔스퀘어라운드 Regular" panose="020B0600000101010101" pitchFamily="50" charset="-127"/>
-                <a:ea typeface="나눔스퀘어라운드 Regular" panose="020B0600000101010101" pitchFamily="50" charset="-127"/>
-              </a:rPr>
-              <a:t>-shin”, </a:t>
-            </a:r>
-            <a:r>
-              <a:rPr lang="en-US" altLang="ko-KR" sz="3200" dirty="0" smtClean="0">
-                <a:latin typeface="나눔스퀘어라운드 Regular" panose="020B0600000101010101" pitchFamily="50" charset="-127"/>
-                <a:ea typeface="나눔스퀘어라운드 Regular" panose="020B0600000101010101" pitchFamily="50" charset="-127"/>
-              </a:rPr>
-              <a:t>“</a:t>
-            </a:r>
-            <a:r>
-              <a:rPr lang="en-US" altLang="ko-KR" sz="3200" dirty="0" smtClean="0">
-                <a:latin typeface="나눔스퀘어라운드 Regular" panose="020B0600000101010101" pitchFamily="50" charset="-127"/>
-                <a:ea typeface="나눔스퀘어라운드 Regular" panose="020B0600000101010101" pitchFamily="50" charset="-127"/>
-              </a:rPr>
-              <a:t>1</a:t>
-            </a:r>
-            <a:r>
-              <a:rPr lang="en-US" altLang="ko-KR" sz="3200" dirty="0" smtClean="0">
-                <a:latin typeface="나눔스퀘어라운드 Regular" panose="020B0600000101010101" pitchFamily="50" charset="-127"/>
-                <a:ea typeface="나눔스퀘어라운드 Regular" panose="020B0600000101010101" pitchFamily="50" charset="-127"/>
-              </a:rPr>
-              <a:t>st_project_wordcloud/</a:t>
-            </a:r>
-            <a:r>
-              <a:rPr lang="en-US" altLang="ko-KR" sz="3200" dirty="0" err="1" smtClean="0">
-                <a:latin typeface="나눔스퀘어라운드 Regular" panose="020B0600000101010101" pitchFamily="50" charset="-127"/>
-                <a:ea typeface="나눔스퀘어라운드 Regular" panose="020B0600000101010101" pitchFamily="50" charset="-127"/>
-              </a:rPr>
-              <a:t>Rshiny</a:t>
-            </a:r>
-            <a:r>
-              <a:rPr lang="en-US" altLang="ko-KR" sz="3200" dirty="0" smtClean="0">
-                <a:latin typeface="나눔스퀘어라운드 Regular" panose="020B0600000101010101" pitchFamily="50" charset="-127"/>
-                <a:ea typeface="나눔스퀘어라운드 Regular" panose="020B0600000101010101" pitchFamily="50" charset="-127"/>
-              </a:rPr>
-              <a:t>”)</a:t>
-            </a:r>
-            <a:endParaRPr lang="en-US" altLang="ko-KR" sz="3200" dirty="0" smtClean="0">
-              <a:latin typeface="나눔스퀘어라운드 Regular" panose="020B0600000101010101" pitchFamily="50" charset="-127"/>
-              <a:ea typeface="나눔스퀘어라운드 Regular" panose="020B0600000101010101" pitchFamily="50" charset="-127"/>
-            </a:endParaRPr>
+              <a:t>Q&amp;A</a:t>
+            </a:r>
+            <a:endParaRPr lang="ko-KR" altLang="en-US" dirty="0"/>
           </a:p>
         </p:txBody>
       </p:sp>
     </p:spTree>
     <p:extLst>
       <p:ext uri="{BB962C8B-B14F-4D97-AF65-F5344CB8AC3E}">
-        <p14:creationId xmlns:p14="http://schemas.microsoft.com/office/powerpoint/2010/main" val="540412381"/>
+        <p14:creationId xmlns:p14="http://schemas.microsoft.com/office/powerpoint/2010/main" val="2382325231"/>
       </p:ext>
     </p:extLst>
   </p:cSld>
@@ -18609,74 +18491,6 @@
       </p:par>
     </p:tnLst>
   </p:timing>
-</p:sld>
-</file>
-
-<file path=ppt/slides/slide16.xml><?xml version="1.0" encoding="utf-8"?>
-<p:sld xmlns:a="http://schemas.openxmlformats.org/drawingml/2006/main" xmlns:r="http://schemas.openxmlformats.org/officeDocument/2006/relationships" xmlns:p="http://schemas.openxmlformats.org/presentationml/2006/main">
-  <p:cSld>
-    <p:spTree>
-      <p:nvGrpSpPr>
-        <p:cNvPr id="1" name=""/>
-        <p:cNvGrpSpPr/>
-        <p:nvPr/>
-      </p:nvGrpSpPr>
-      <p:grpSpPr>
-        <a:xfrm>
-          <a:off x="0" y="0"/>
-          <a:ext cx="0" cy="0"/>
-          <a:chOff x="0" y="0"/>
-          <a:chExt cx="0" cy="0"/>
-        </a:xfrm>
-      </p:grpSpPr>
-      <p:sp>
-        <p:nvSpPr>
-          <p:cNvPr id="2" name="제목 1"/>
-          <p:cNvSpPr>
-            <a:spLocks noGrp="1"/>
-          </p:cNvSpPr>
-          <p:nvPr>
-            <p:ph type="title"/>
-          </p:nvPr>
-        </p:nvSpPr>
-        <p:spPr/>
-        <p:txBody>
-          <a:bodyPr/>
-          <a:lstStyle/>
-          <a:p>
-            <a:endParaRPr lang="ko-KR" altLang="en-US" dirty="0"/>
-          </a:p>
-        </p:txBody>
-      </p:sp>
-      <p:sp>
-        <p:nvSpPr>
-          <p:cNvPr id="3" name="내용 개체 틀 2"/>
-          <p:cNvSpPr>
-            <a:spLocks noGrp="1"/>
-          </p:cNvSpPr>
-          <p:nvPr>
-            <p:ph idx="1"/>
-          </p:nvPr>
-        </p:nvSpPr>
-        <p:spPr/>
-        <p:txBody>
-          <a:bodyPr/>
-          <a:lstStyle/>
-          <a:p>
-            <a:endParaRPr lang="ko-KR" altLang="en-US"/>
-          </a:p>
-        </p:txBody>
-      </p:sp>
-    </p:spTree>
-    <p:extLst>
-      <p:ext uri="{BB962C8B-B14F-4D97-AF65-F5344CB8AC3E}">
-        <p14:creationId xmlns:p14="http://schemas.microsoft.com/office/powerpoint/2010/main" val="2826725586"/>
-      </p:ext>
-    </p:extLst>
-  </p:cSld>
-  <p:clrMapOvr>
-    <a:masterClrMapping/>
-  </p:clrMapOvr>
 </p:sld>
 </file>
 
